--- a/out/pptx-template.pptx
+++ b/out/pptx-template.pptx
@@ -311,7 +311,7 @@
           <a:p>
             <a:fld id="{241EB5C9-1307-BA42-ABA2-0BC069CD8E7F}" type="datetimeFigureOut">
               <a:rPr lang="en-US" smtClean="0"/>
-              <a:t>1/5/2021</a:t>
+              <a:t>1/6/2021</a:t>
             </a:fld>
             <a:endParaRPr lang="en-US"/>
           </a:p>
@@ -479,7 +479,7 @@
           <a:p>
             <a:fld id="{241EB5C9-1307-BA42-ABA2-0BC069CD8E7F}" type="datetimeFigureOut">
               <a:rPr lang="en-US" smtClean="0"/>
-              <a:t>1/5/2021</a:t>
+              <a:t>1/6/2021</a:t>
             </a:fld>
             <a:endParaRPr lang="en-US"/>
           </a:p>
@@ -657,7 +657,7 @@
           <a:p>
             <a:fld id="{241EB5C9-1307-BA42-ABA2-0BC069CD8E7F}" type="datetimeFigureOut">
               <a:rPr lang="en-US" smtClean="0"/>
-              <a:t>1/5/2021</a:t>
+              <a:t>1/6/2021</a:t>
             </a:fld>
             <a:endParaRPr lang="en-US"/>
           </a:p>
@@ -748,7 +748,11 @@
         <p:spPr/>
         <p:txBody>
           <a:bodyPr/>
-          <a:lstStyle/>
+          <a:lstStyle>
+            <a:lvl1pPr algn="l">
+              <a:defRPr/>
+            </a:lvl1pPr>
+          </a:lstStyle>
           <a:p>
             <a:r>
               <a:rPr lang="en-US"/>
@@ -825,7 +829,7 @@
           <a:p>
             <a:fld id="{241EB5C9-1307-BA42-ABA2-0BC069CD8E7F}" type="datetimeFigureOut">
               <a:rPr lang="en-US" smtClean="0"/>
-              <a:t>1/5/2021</a:t>
+              <a:t>1/6/2021</a:t>
             </a:fld>
             <a:endParaRPr lang="en-US"/>
           </a:p>
@@ -1070,7 +1074,7 @@
           <a:p>
             <a:fld id="{241EB5C9-1307-BA42-ABA2-0BC069CD8E7F}" type="datetimeFigureOut">
               <a:rPr lang="en-US" smtClean="0"/>
-              <a:t>1/5/2021</a:t>
+              <a:t>1/6/2021</a:t>
             </a:fld>
             <a:endParaRPr lang="en-US"/>
           </a:p>
@@ -1161,10 +1165,14 @@
         <p:spPr/>
         <p:txBody>
           <a:bodyPr/>
-          <a:lstStyle/>
+          <a:lstStyle>
+            <a:lvl1pPr algn="l">
+              <a:defRPr/>
+            </a:lvl1pPr>
+          </a:lstStyle>
           <a:p>
             <a:r>
-              <a:rPr lang="en-US"/>
+              <a:rPr lang="en-US" dirty="0"/>
               <a:t>Click to edit Master title style</a:t>
             </a:r>
           </a:p>
@@ -1355,7 +1363,7 @@
           <a:p>
             <a:fld id="{241EB5C9-1307-BA42-ABA2-0BC069CD8E7F}" type="datetimeFigureOut">
               <a:rPr lang="en-US" smtClean="0"/>
-              <a:t>1/5/2021</a:t>
+              <a:t>1/6/2021</a:t>
             </a:fld>
             <a:endParaRPr lang="en-US"/>
           </a:p>
@@ -1447,13 +1455,13 @@
         <p:txBody>
           <a:bodyPr/>
           <a:lstStyle>
-            <a:lvl1pPr>
+            <a:lvl1pPr algn="l">
               <a:defRPr/>
             </a:lvl1pPr>
           </a:lstStyle>
           <a:p>
             <a:r>
-              <a:rPr lang="en-US"/>
+              <a:rPr lang="en-US" dirty="0"/>
               <a:t>Click to edit Master title style</a:t>
             </a:r>
           </a:p>
@@ -1774,7 +1782,7 @@
           <a:p>
             <a:fld id="{241EB5C9-1307-BA42-ABA2-0BC069CD8E7F}" type="datetimeFigureOut">
               <a:rPr lang="en-US" smtClean="0"/>
-              <a:t>1/5/2021</a:t>
+              <a:t>1/6/2021</a:t>
             </a:fld>
             <a:endParaRPr lang="en-US"/>
           </a:p>
@@ -1865,10 +1873,14 @@
         <p:spPr/>
         <p:txBody>
           <a:bodyPr/>
-          <a:lstStyle/>
+          <a:lstStyle>
+            <a:lvl1pPr algn="l">
+              <a:defRPr/>
+            </a:lvl1pPr>
+          </a:lstStyle>
           <a:p>
             <a:r>
-              <a:rPr lang="en-US"/>
+              <a:rPr lang="en-US" dirty="0"/>
               <a:t>Click to edit Master title style</a:t>
             </a:r>
           </a:p>
@@ -1891,7 +1903,7 @@
           <a:p>
             <a:fld id="{241EB5C9-1307-BA42-ABA2-0BC069CD8E7F}" type="datetimeFigureOut">
               <a:rPr lang="en-US" smtClean="0"/>
-              <a:t>1/5/2021</a:t>
+              <a:t>1/6/2021</a:t>
             </a:fld>
             <a:endParaRPr lang="en-US"/>
           </a:p>
@@ -1986,7 +1998,7 @@
           <a:p>
             <a:fld id="{241EB5C9-1307-BA42-ABA2-0BC069CD8E7F}" type="datetimeFigureOut">
               <a:rPr lang="en-US" smtClean="0"/>
-              <a:t>1/5/2021</a:t>
+              <a:t>1/6/2021</a:t>
             </a:fld>
             <a:endParaRPr lang="en-US"/>
           </a:p>
@@ -2261,7 +2273,7 @@
           <a:p>
             <a:fld id="{241EB5C9-1307-BA42-ABA2-0BC069CD8E7F}" type="datetimeFigureOut">
               <a:rPr lang="en-US" smtClean="0"/>
-              <a:t>1/5/2021</a:t>
+              <a:t>1/6/2021</a:t>
             </a:fld>
             <a:endParaRPr lang="en-US"/>
           </a:p>
@@ -2513,7 +2525,7 @@
           <a:p>
             <a:fld id="{241EB5C9-1307-BA42-ABA2-0BC069CD8E7F}" type="datetimeFigureOut">
               <a:rPr lang="en-US" smtClean="0"/>
-              <a:t>1/5/2021</a:t>
+              <a:t>1/6/2021</a:t>
             </a:fld>
             <a:endParaRPr lang="en-US"/>
           </a:p>
@@ -2724,7 +2736,7 @@
           <a:p>
             <a:fld id="{241EB5C9-1307-BA42-ABA2-0BC069CD8E7F}" type="datetimeFigureOut">
               <a:rPr lang="en-US" smtClean="0"/>
-              <a:t>1/5/2021</a:t>
+              <a:t>1/6/2021</a:t>
             </a:fld>
             <a:endParaRPr lang="en-US"/>
           </a:p>
@@ -5385,7 +5397,7 @@
         </p:nvGraphicFramePr>
         <p:xfrm>
           <a:off x="1981200" y="1600201"/>
-          <a:ext cx="4038600" cy="4525963"/>
+          <a:ext cx="4038600" cy="5280289"/>
         </p:xfrm>
         <a:graphic>
           <a:graphicData uri="http://schemas.openxmlformats.org/drawingml/2006/table">
@@ -5656,7 +5668,7 @@
         </p:nvGraphicFramePr>
         <p:xfrm>
           <a:off x="6172200" y="1600201"/>
-          <a:ext cx="4038600" cy="4525963"/>
+          <a:ext cx="4038600" cy="5440362"/>
         </p:xfrm>
         <a:graphic>
           <a:graphicData uri="http://schemas.openxmlformats.org/drawingml/2006/table">
